--- a/deck/ASP.NETCore_Beginners.pptx
+++ b/deck/ASP.NETCore_Beginners.pptx
@@ -7190,7 +7190,7 @@
                 <a:ea typeface="Segoe UI" pitchFamily="34" charset="0"/>
                 <a:cs typeface="Segoe UI" pitchFamily="34" charset="0"/>
               </a:rPr>
-              <a:t>Web based Application</a:t>
+              <a:t>Web App</a:t>
             </a:r>
           </a:p>
         </p:txBody>
@@ -8076,7 +8076,7 @@
         <p:spPr>
           <a:xfrm>
             <a:off x="269239" y="1189177"/>
-            <a:ext cx="11653523" cy="4709944"/>
+            <a:ext cx="11653523" cy="4961358"/>
           </a:xfrm>
         </p:spPr>
         <p:txBody>
@@ -8087,8 +8087,20 @@
               <a:buNone/>
             </a:pPr>
             <a:r>
-              <a:rPr lang="en-US" dirty="0"/>
+              <a:rPr lang="en-US" sz="3200" b="1" dirty="0"/>
+              <a:t>Workshop Material </a:t>
+            </a:r>
+          </a:p>
+          <a:p>
+            <a:r>
+              <a:rPr lang="en-US" sz="3200" dirty="0"/>
               <a:t>Workshop Material - aka.ms/beginners-workshop</a:t>
+            </a:r>
+          </a:p>
+          <a:p>
+            <a:r>
+              <a:rPr lang="en-US" sz="3200" dirty="0"/>
+              <a:t>Something extra - aka.ms/extra-workshop</a:t>
             </a:r>
           </a:p>
           <a:p>
@@ -8096,65 +8108,56 @@
               <a:buNone/>
             </a:pPr>
             <a:r>
-              <a:rPr lang="en-US" dirty="0"/>
+              <a:rPr lang="en-US" sz="3200" b="1" dirty="0"/>
+              <a:t>Learn and tools</a:t>
+            </a:r>
+          </a:p>
+          <a:p>
+            <a:r>
+              <a:rPr lang="en-US" sz="3200" dirty="0"/>
               <a:t>Documentation – </a:t>
             </a:r>
             <a:r>
-              <a:rPr lang="en-US" dirty="0">
+              <a:rPr lang="en-US" sz="3200" dirty="0">
                 <a:hlinkClick r:id="rId3"/>
               </a:rPr>
               <a:t>docs.microsoft.com</a:t>
             </a:r>
-            <a:endParaRPr lang="en-US" dirty="0"/>
+            <a:endParaRPr lang="en-US" sz="3200" dirty="0"/>
+          </a:p>
+          <a:p>
+            <a:r>
+              <a:rPr lang="en-US" sz="3200" dirty="0">
+                <a:hlinkClick r:id="rId4"/>
+              </a:rPr>
+              <a:t>dot.net </a:t>
+            </a:r>
+            <a:r>
+              <a:rPr lang="en-US" sz="3200" dirty="0"/>
+              <a:t>-  Get all the tools you need in one place.</a:t>
+            </a:r>
           </a:p>
           <a:p>
             <a:pPr marL="0" indent="0">
               <a:buNone/>
             </a:pPr>
             <a:r>
-              <a:rPr lang="en-US" dirty="0">
-                <a:hlinkClick r:id="rId4"/>
-              </a:rPr>
-              <a:t>dot.net </a:t>
-            </a:r>
-            <a:r>
-              <a:rPr lang="en-US" dirty="0"/>
-              <a:t>-  Get all the tools you need in one place.</a:t>
-            </a:r>
-          </a:p>
-          <a:p>
-            <a:pPr marL="0" indent="0">
-              <a:buNone/>
-            </a:pPr>
-            <a:endParaRPr lang="en-US" dirty="0"/>
-          </a:p>
-          <a:p>
-            <a:pPr marL="0" indent="0">
-              <a:buNone/>
-            </a:pPr>
-            <a:r>
-              <a:rPr lang="en-US" dirty="0"/>
+              <a:rPr lang="en-US" sz="3200" b="1" dirty="0"/>
               <a:t>Get involved</a:t>
             </a:r>
           </a:p>
           <a:p>
-            <a:pPr marL="0" indent="0">
-              <a:buNone/>
-            </a:pPr>
-            <a:r>
-              <a:rPr lang="en-US" dirty="0">
+            <a:r>
+              <a:rPr lang="en-US" sz="3200" dirty="0">
                 <a:hlinkClick r:id="rId5"/>
               </a:rPr>
               <a:t>.NET Foundation </a:t>
             </a:r>
-            <a:endParaRPr lang="en-US" dirty="0"/>
-          </a:p>
-          <a:p>
-            <a:pPr marL="0" indent="0">
-              <a:buNone/>
-            </a:pPr>
-            <a:r>
-              <a:rPr lang="en-US" dirty="0">
+            <a:endParaRPr lang="en-US" sz="3200" dirty="0"/>
+          </a:p>
+          <a:p>
+            <a:r>
+              <a:rPr lang="en-US" sz="3200" dirty="0">
                 <a:hlinkClick r:id="rId6"/>
               </a:rPr>
               <a:t>Twitch Channels  </a:t>

--- a/deck/ASP.NETCore_Beginners.pptx
+++ b/deck/ASP.NETCore_Beginners.pptx
@@ -8076,7 +8076,7 @@
         <p:spPr>
           <a:xfrm>
             <a:off x="269239" y="1189177"/>
-            <a:ext cx="11653523" cy="4961358"/>
+            <a:ext cx="11653523" cy="5503045"/>
           </a:xfrm>
         </p:spPr>
         <p:txBody>
@@ -8104,6 +8104,27 @@
             </a:r>
           </a:p>
           <a:p>
+            <a:r>
+              <a:rPr lang="en-US" sz="3200" dirty="0">
+                <a:hlinkClick r:id="rId3"/>
+              </a:rPr>
+              <a:t>Getting started with </a:t>
+            </a:r>
+            <a:r>
+              <a:rPr lang="en-US" sz="3200" dirty="0" err="1">
+                <a:hlinkClick r:id="rId3"/>
+              </a:rPr>
+              <a:t>Razorpages</a:t>
+            </a:r>
+            <a:r>
+              <a:rPr lang="en-US" sz="3200" dirty="0">
+                <a:hlinkClick r:id="rId3"/>
+              </a:rPr>
+              <a:t> </a:t>
+            </a:r>
+            <a:endParaRPr lang="en-US" sz="3200" dirty="0"/>
+          </a:p>
+          <a:p>
             <a:pPr marL="0" indent="0">
               <a:buNone/>
             </a:pPr>
@@ -8119,7 +8140,7 @@
             </a:r>
             <a:r>
               <a:rPr lang="en-US" sz="3200" dirty="0">
-                <a:hlinkClick r:id="rId3"/>
+                <a:hlinkClick r:id="rId4"/>
               </a:rPr>
               <a:t>docs.microsoft.com</a:t>
             </a:r>
@@ -8128,7 +8149,7 @@
           <a:p>
             <a:r>
               <a:rPr lang="en-US" sz="3200" dirty="0">
-                <a:hlinkClick r:id="rId4"/>
+                <a:hlinkClick r:id="rId5"/>
               </a:rPr>
               <a:t>dot.net </a:t>
             </a:r>
@@ -8149,7 +8170,7 @@
           <a:p>
             <a:r>
               <a:rPr lang="en-US" sz="3200" dirty="0">
-                <a:hlinkClick r:id="rId5"/>
+                <a:hlinkClick r:id="rId6"/>
               </a:rPr>
               <a:t>.NET Foundation </a:t>
             </a:r>
@@ -8158,7 +8179,7 @@
           <a:p>
             <a:r>
               <a:rPr lang="en-US" sz="3200" dirty="0">
-                <a:hlinkClick r:id="rId6"/>
+                <a:hlinkClick r:id="rId7"/>
               </a:rPr>
               <a:t>Twitch Channels  </a:t>
             </a:r>

--- a/deck/ASP.NETCore_Beginners.pptx
+++ b/deck/ASP.NETCore_Beginners.pptx
@@ -155,6 +155,10 @@
 </p:presentation>
 </file>
 
+<file path=ppt/revisionInfo.xml><?xml version="1.0" encoding="utf-8"?>
+<p1510:revInfo xmlns:a="http://schemas.openxmlformats.org/drawingml/2006/main" xmlns:r="http://schemas.openxmlformats.org/officeDocument/2006/relationships" xmlns:p1510="http://schemas.microsoft.com/office/powerpoint/2015/10/main"/>
+</file>
+
 <file path=ppt/notesMasters/notesMaster1.xml><?xml version="1.0" encoding="utf-8"?>
 <p:notesMaster xmlns:a="http://schemas.openxmlformats.org/drawingml/2006/main" xmlns:r="http://schemas.openxmlformats.org/officeDocument/2006/relationships" xmlns:p="http://schemas.openxmlformats.org/presentationml/2006/main">
   <p:cSld>
@@ -237,7 +241,7 @@
           <a:p>
             <a:fld id="{18438622-0837-4E9E-A16C-0B0206CE676E}" type="datetimeFigureOut">
               <a:rPr lang="en-US" smtClean="0"/>
-              <a:t>4/3/2018</a:t>
+              <a:t>7/7/2018</a:t>
             </a:fld>
             <a:endParaRPr lang="en-US"/>
           </a:p>
@@ -7357,7 +7361,7 @@
           <p:nvPr>
             <p:extLst>
               <p:ext uri="{D42A27DB-BD31-4B8C-83A1-F6EECF244321}">
-                <p14:modId xmlns:p14="http://schemas.microsoft.com/office/powerpoint/2010/main" val="1313874973"/>
+                <p14:modId xmlns:p14="http://schemas.microsoft.com/office/powerpoint/2010/main" val="771583697"/>
               </p:ext>
             </p:extLst>
           </p:nvPr>
@@ -7431,7 +7435,7 @@
                         <a:rPr lang="en-US" sz="1800" dirty="0" err="1">
                           <a:latin typeface="+mj-lt"/>
                         </a:rPr>
-                        <a:t>wwroot</a:t>
+                        <a:t>wwwroot</a:t>
                       </a:r>
                       <a:r>
                         <a:rPr lang="en-US" sz="1800" dirty="0">
@@ -11897,6 +11901,33 @@
 </file>
 
 <file path=customXml/item1.xml><?xml version="1.0" encoding="utf-8"?>
+<?mso-contentType ?>
+<FormTemplates xmlns="http://schemas.microsoft.com/sharepoint/v3/contenttype/forms">
+  <Display>DocumentLibraryForm</Display>
+  <Edit>DocumentLibraryForm</Edit>
+  <New>DocumentLibraryForm</New>
+</FormTemplates>
+</file>
+
+<file path=customXml/item2.xml><?xml version="1.0" encoding="utf-8"?>
+<p:properties xmlns:p="http://schemas.microsoft.com/office/2006/metadata/properties" xmlns:xsi="http://www.w3.org/2001/XMLSchema-instance" xmlns:pc="http://schemas.microsoft.com/office/infopath/2007/PartnerControls">
+  <documentManagement>
+    <_ip_UnifiedCompliancePolicyProperties xmlns="http://schemas.microsoft.com/sharepoint/v3" xsi:nil="true"/>
+    <_ip_UnifiedCompliancePolicyUIAction xmlns="http://schemas.microsoft.com/sharepoint/v3" xsi:nil="true"/>
+    <LastSharedByUser xmlns="11245976-3b4d-4794-a754-317688483df2">jogallow@microsoft.com</LastSharedByUser>
+    <SharedWithUsers xmlns="11245976-3b4d-4794-a754-317688483df2">
+      <UserInfo>
+        <DisplayName>Martin Woodward</DisplayName>
+        <AccountId>67</AccountId>
+        <AccountType/>
+      </UserInfo>
+    </SharedWithUsers>
+    <LastSharedByTime xmlns="11245976-3b4d-4794-a754-317688483df2">2018-03-16T04:12:59+00:00</LastSharedByTime>
+  </documentManagement>
+</p:properties>
+</file>
+
+<file path=customXml/item3.xml><?xml version="1.0" encoding="utf-8"?>
 <ct:contentTypeSchema xmlns:ct="http://schemas.microsoft.com/office/2006/metadata/contentType" xmlns:ma="http://schemas.microsoft.com/office/2006/metadata/properties/metaAttributes" ct:_="" ma:_="" ma:contentTypeName="Document" ma:contentTypeID="0x01010022F88B0CCF1BBA489747F146E6B5E06D" ma:contentTypeVersion="10" ma:contentTypeDescription="Create a new document." ma:contentTypeScope="" ma:versionID="e1162cc15dbfb914ec52a789942caef8">
   <xsd:schema xmlns:xsd="http://www.w3.org/2001/XMLSchema" xmlns:xs="http://www.w3.org/2001/XMLSchema" xmlns:p="http://schemas.microsoft.com/office/2006/metadata/properties" xmlns:ns1="http://schemas.microsoft.com/sharepoint/v3" xmlns:ns2="569b343d-e775-480b-9b2b-6a6986deb9b0" xmlns:ns3="11245976-3b4d-4794-a754-317688483df2" targetNamespace="http://schemas.microsoft.com/office/2006/metadata/properties" ma:root="true" ma:fieldsID="158813283217a5160f6383901b0d05a5" ns1:_="" ns2:_="" ns3:_="">
     <xsd:import namespace="http://schemas.microsoft.com/sharepoint/v3"/>
@@ -12104,49 +12135,10 @@
 </ct:contentTypeSchema>
 </file>
 
-<file path=customXml/item2.xml><?xml version="1.0" encoding="utf-8"?>
-<p:properties xmlns:p="http://schemas.microsoft.com/office/2006/metadata/properties" xmlns:xsi="http://www.w3.org/2001/XMLSchema-instance" xmlns:pc="http://schemas.microsoft.com/office/infopath/2007/PartnerControls">
-  <documentManagement>
-    <_ip_UnifiedCompliancePolicyProperties xmlns="http://schemas.microsoft.com/sharepoint/v3" xsi:nil="true"/>
-    <_ip_UnifiedCompliancePolicyUIAction xmlns="http://schemas.microsoft.com/sharepoint/v3" xsi:nil="true"/>
-    <LastSharedByUser xmlns="11245976-3b4d-4794-a754-317688483df2">jogallow@microsoft.com</LastSharedByUser>
-    <SharedWithUsers xmlns="11245976-3b4d-4794-a754-317688483df2">
-      <UserInfo>
-        <DisplayName>Martin Woodward</DisplayName>
-        <AccountId>67</AccountId>
-        <AccountType/>
-      </UserInfo>
-    </SharedWithUsers>
-    <LastSharedByTime xmlns="11245976-3b4d-4794-a754-317688483df2">2018-03-16T04:12:59+00:00</LastSharedByTime>
-  </documentManagement>
-</p:properties>
-</file>
-
-<file path=customXml/item3.xml><?xml version="1.0" encoding="utf-8"?>
-<?mso-contentType ?>
-<FormTemplates xmlns="http://schemas.microsoft.com/sharepoint/v3/contenttype/forms">
-  <Display>DocumentLibraryForm</Display>
-  <Edit>DocumentLibraryForm</Edit>
-  <New>DocumentLibraryForm</New>
-</FormTemplates>
-</file>
-
 <file path=customXml/itemProps1.xml><?xml version="1.0" encoding="utf-8"?>
-<ds:datastoreItem xmlns:ds="http://schemas.openxmlformats.org/officeDocument/2006/customXml" ds:itemID="{345A321A-8CE3-45D5-9A72-BB0D8FA29E2D}">
+<ds:datastoreItem xmlns:ds="http://schemas.openxmlformats.org/officeDocument/2006/customXml" ds:itemID="{093821A7-5528-48BE-BD00-067FBFDD28D5}">
   <ds:schemaRefs>
-    <ds:schemaRef ds:uri="http://schemas.microsoft.com/office/2006/metadata/contentType"/>
-    <ds:schemaRef ds:uri="http://schemas.microsoft.com/office/2006/metadata/properties/metaAttributes"/>
-    <ds:schemaRef ds:uri="http://www.w3.org/2001/XMLSchema"/>
-    <ds:schemaRef ds:uri="http://schemas.microsoft.com/office/2006/metadata/properties"/>
-    <ds:schemaRef ds:uri="http://schemas.microsoft.com/sharepoint/v3"/>
-    <ds:schemaRef ds:uri="569b343d-e775-480b-9b2b-6a6986deb9b0"/>
-    <ds:schemaRef ds:uri="11245976-3b4d-4794-a754-317688483df2"/>
-    <ds:schemaRef ds:uri="http://schemas.microsoft.com/office/2006/documentManagement/types"/>
-    <ds:schemaRef ds:uri="http://schemas.microsoft.com/office/infopath/2007/PartnerControls"/>
-    <ds:schemaRef ds:uri="http://schemas.openxmlformats.org/package/2006/metadata/core-properties"/>
-    <ds:schemaRef ds:uri="http://purl.org/dc/elements/1.1/"/>
-    <ds:schemaRef ds:uri="http://purl.org/dc/terms/"/>
-    <ds:schemaRef ds:uri="http://schemas.microsoft.com/internal/obd"/>
+    <ds:schemaRef ds:uri="http://schemas.microsoft.com/sharepoint/v3/contenttype/forms"/>
   </ds:schemaRefs>
 </ds:datastoreItem>
 </file>
@@ -12170,9 +12162,21 @@
 </file>
 
 <file path=customXml/itemProps3.xml><?xml version="1.0" encoding="utf-8"?>
-<ds:datastoreItem xmlns:ds="http://schemas.openxmlformats.org/officeDocument/2006/customXml" ds:itemID="{093821A7-5528-48BE-BD00-067FBFDD28D5}">
+<ds:datastoreItem xmlns:ds="http://schemas.openxmlformats.org/officeDocument/2006/customXml" ds:itemID="{345A321A-8CE3-45D5-9A72-BB0D8FA29E2D}">
   <ds:schemaRefs>
-    <ds:schemaRef ds:uri="http://schemas.microsoft.com/sharepoint/v3/contenttype/forms"/>
+    <ds:schemaRef ds:uri="http://schemas.microsoft.com/office/2006/metadata/contentType"/>
+    <ds:schemaRef ds:uri="http://schemas.microsoft.com/office/2006/metadata/properties/metaAttributes"/>
+    <ds:schemaRef ds:uri="http://www.w3.org/2001/XMLSchema"/>
+    <ds:schemaRef ds:uri="http://schemas.microsoft.com/office/2006/metadata/properties"/>
+    <ds:schemaRef ds:uri="http://schemas.microsoft.com/sharepoint/v3"/>
+    <ds:schemaRef ds:uri="569b343d-e775-480b-9b2b-6a6986deb9b0"/>
+    <ds:schemaRef ds:uri="11245976-3b4d-4794-a754-317688483df2"/>
+    <ds:schemaRef ds:uri="http://schemas.microsoft.com/office/2006/documentManagement/types"/>
+    <ds:schemaRef ds:uri="http://schemas.microsoft.com/office/infopath/2007/PartnerControls"/>
+    <ds:schemaRef ds:uri="http://schemas.openxmlformats.org/package/2006/metadata/core-properties"/>
+    <ds:schemaRef ds:uri="http://purl.org/dc/elements/1.1/"/>
+    <ds:schemaRef ds:uri="http://purl.org/dc/terms/"/>
+    <ds:schemaRef ds:uri="http://schemas.microsoft.com/internal/obd"/>
   </ds:schemaRefs>
 </ds:datastoreItem>
 </file>
--- a/deck/ASP.NETCore_Beginners.pptx
+++ b/deck/ASP.NETCore_Beginners.pptx
@@ -155,10 +155,6 @@
 </p:presentation>
 </file>
 
-<file path=ppt/revisionInfo.xml><?xml version="1.0" encoding="utf-8"?>
-<p1510:revInfo xmlns:a="http://schemas.openxmlformats.org/drawingml/2006/main" xmlns:r="http://schemas.openxmlformats.org/officeDocument/2006/relationships" xmlns:p1510="http://schemas.microsoft.com/office/powerpoint/2015/10/main"/>
-</file>
-
 <file path=ppt/notesMasters/notesMaster1.xml><?xml version="1.0" encoding="utf-8"?>
 <p:notesMaster xmlns:a="http://schemas.openxmlformats.org/drawingml/2006/main" xmlns:r="http://schemas.openxmlformats.org/officeDocument/2006/relationships" xmlns:p="http://schemas.openxmlformats.org/presentationml/2006/main">
   <p:cSld>
@@ -241,7 +237,7 @@
           <a:p>
             <a:fld id="{18438622-0837-4E9E-A16C-0B0206CE676E}" type="datetimeFigureOut">
               <a:rPr lang="en-US" smtClean="0"/>
-              <a:t>7/7/2018</a:t>
+              <a:t>2/4/2022</a:t>
             </a:fld>
             <a:endParaRPr lang="en-US"/>
           </a:p>
@@ -6383,7 +6379,7 @@
       </a:lvl9pPr>
     </p:otherStyle>
   </p:txStyles>
-  <p:extLst mod="1">
+  <p:extLst>
     <p:ext uri="{27BBF7A9-308A-43DC-89C8-2F10F3537804}">
       <p15:sldGuideLst xmlns:p15="http://schemas.microsoft.com/office/powerpoint/2012/main">
         <p15:guide id="1" orient="horz" pos="187">
@@ -6932,7 +6928,7 @@
                 <a:ea typeface="Segoe UI" pitchFamily="34" charset="0"/>
                 <a:cs typeface="Segoe UI" pitchFamily="34" charset="0"/>
               </a:rPr>
-              <a:t>Framework</a:t>
+              <a:t>Runtime</a:t>
             </a:r>
           </a:p>
           <a:p>
@@ -6963,7 +6959,7 @@
                 <a:ea typeface="Segoe UI" pitchFamily="34" charset="0"/>
                 <a:cs typeface="Segoe UI" pitchFamily="34" charset="0"/>
               </a:rPr>
-              <a:t>.NET Core</a:t>
+              <a:t>.NET</a:t>
             </a:r>
           </a:p>
           <a:p>
@@ -7361,14 +7357,14 @@
           <p:nvPr>
             <p:extLst>
               <p:ext uri="{D42A27DB-BD31-4B8C-83A1-F6EECF244321}">
-                <p14:modId xmlns:p14="http://schemas.microsoft.com/office/powerpoint/2010/main" val="771583697"/>
+                <p14:modId xmlns:p14="http://schemas.microsoft.com/office/powerpoint/2010/main" val="1819041744"/>
               </p:ext>
             </p:extLst>
           </p:nvPr>
         </p:nvGraphicFramePr>
         <p:xfrm>
           <a:off x="457199" y="1383983"/>
-          <a:ext cx="11022228" cy="4269447"/>
+          <a:ext cx="11022228" cy="3370287"/>
         </p:xfrm>
         <a:graphic>
           <a:graphicData uri="http://schemas.openxmlformats.org/drawingml/2006/table">
@@ -7539,54 +7535,6 @@
                           <a:ea typeface="+mn-ea"/>
                           <a:cs typeface="+mn-cs"/>
                         </a:rPr>
-                        <a:t>Startup.cs</a:t>
-                      </a:r>
-                      <a:endParaRPr lang="en-US" sz="1800" dirty="0">
-                        <a:latin typeface="+mj-lt"/>
-                      </a:endParaRPr>
-                    </a:p>
-                  </a:txBody>
-                  <a:tcPr/>
-                </a:tc>
-                <a:tc>
-                  <a:txBody>
-                    <a:bodyPr/>
-                    <a:lstStyle/>
-                    <a:p>
-                      <a:pPr algn="l"/>
-                      <a:r>
-                        <a:rPr lang="en-US" sz="1800" dirty="0">
-                          <a:effectLst/>
-                          <a:latin typeface="+mj-lt"/>
-                        </a:rPr>
-                        <a:t>Configures services we use in our application. For example adding user authentication through Microsoft, Google or Facebook account.</a:t>
-                      </a:r>
-                    </a:p>
-                  </a:txBody>
-                  <a:tcPr marL="82550" marR="82550" marT="38100" marB="38100" anchor="ctr"/>
-                </a:tc>
-                <a:extLst>
-                  <a:ext uri="{0D108BD9-81ED-4DB2-BD59-A6C34878D82A}">
-                    <a16:rowId xmlns:a16="http://schemas.microsoft.com/office/drawing/2014/main" val="1796300629"/>
-                  </a:ext>
-                </a:extLst>
-              </a:tr>
-              <a:tr h="818629">
-                <a:tc>
-                  <a:txBody>
-                    <a:bodyPr/>
-                    <a:lstStyle/>
-                    <a:p>
-                      <a:r>
-                        <a:rPr lang="en-US" sz="1800" b="0" i="0" kern="1200" dirty="0" err="1">
-                          <a:solidFill>
-                            <a:schemeClr val="dk1"/>
-                          </a:solidFill>
-                          <a:effectLst/>
-                          <a:latin typeface="+mj-lt"/>
-                          <a:ea typeface="+mn-ea"/>
-                          <a:cs typeface="+mn-cs"/>
-                        </a:rPr>
                         <a:t>Program.cs</a:t>
                       </a:r>
                       <a:endParaRPr lang="en-US" sz="1800" dirty="0">
@@ -7625,7 +7573,7 @@
                           <a:ea typeface="+mn-ea"/>
                           <a:cs typeface="+mn-cs"/>
                         </a:rPr>
-                        <a:t>The host is responsible for app startup and lifetime management</a:t>
+                        <a:t>The host is responsible for app startup and lifetime management, configure services, etc.</a:t>
                       </a:r>
                       <a:endParaRPr lang="en-US" sz="1800" dirty="0">
                         <a:latin typeface="+mj-lt"/>
@@ -8080,7 +8028,7 @@
         <p:spPr>
           <a:xfrm>
             <a:off x="269239" y="1189177"/>
-            <a:ext cx="11653523" cy="5503045"/>
+            <a:ext cx="11653523" cy="5488460"/>
           </a:xfrm>
         </p:spPr>
         <p:txBody>
@@ -8091,103 +8039,112 @@
               <a:buNone/>
             </a:pPr>
             <a:r>
-              <a:rPr lang="en-US" sz="3200" b="1" dirty="0"/>
+              <a:rPr lang="en-US" sz="2800" b="1" dirty="0"/>
               <a:t>Workshop Material </a:t>
             </a:r>
           </a:p>
           <a:p>
             <a:r>
-              <a:rPr lang="en-US" sz="3200" dirty="0"/>
+              <a:rPr lang="en-US" sz="2800" dirty="0"/>
               <a:t>Workshop Material - aka.ms/beginners-workshop</a:t>
             </a:r>
           </a:p>
           <a:p>
             <a:r>
-              <a:rPr lang="en-US" sz="3200" dirty="0"/>
+              <a:rPr lang="en-US" sz="2800" dirty="0"/>
               <a:t>Something extra - aka.ms/extra-workshop</a:t>
             </a:r>
           </a:p>
           <a:p>
             <a:r>
-              <a:rPr lang="en-US" sz="3200" dirty="0">
+              <a:rPr lang="en-US" sz="2800" dirty="0">
                 <a:hlinkClick r:id="rId3"/>
               </a:rPr>
               <a:t>Getting started with </a:t>
             </a:r>
             <a:r>
-              <a:rPr lang="en-US" sz="3200" dirty="0" err="1">
+              <a:rPr lang="en-US" sz="2800" dirty="0" err="1">
                 <a:hlinkClick r:id="rId3"/>
               </a:rPr>
               <a:t>Razorpages</a:t>
             </a:r>
             <a:r>
-              <a:rPr lang="en-US" sz="3200" dirty="0">
+              <a:rPr lang="en-US" sz="2800" dirty="0">
                 <a:hlinkClick r:id="rId3"/>
               </a:rPr>
               <a:t> </a:t>
             </a:r>
-            <a:endParaRPr lang="en-US" sz="3200" dirty="0"/>
+            <a:endParaRPr lang="en-US" sz="2800" dirty="0"/>
           </a:p>
           <a:p>
             <a:pPr marL="0" indent="0">
               <a:buNone/>
             </a:pPr>
             <a:r>
-              <a:rPr lang="en-US" sz="3200" b="1" dirty="0"/>
+              <a:rPr lang="en-US" sz="2800" b="1" dirty="0"/>
               <a:t>Learn and tools</a:t>
             </a:r>
           </a:p>
           <a:p>
             <a:r>
-              <a:rPr lang="en-US" sz="3200" dirty="0"/>
+              <a:rPr lang="en-US" sz="2800" dirty="0"/>
               <a:t>Documentation – </a:t>
             </a:r>
             <a:r>
-              <a:rPr lang="en-US" sz="3200" dirty="0">
+              <a:rPr lang="en-US" sz="2800" dirty="0">
                 <a:hlinkClick r:id="rId4"/>
               </a:rPr>
               <a:t>docs.microsoft.com</a:t>
             </a:r>
-            <a:endParaRPr lang="en-US" sz="3200" dirty="0"/>
-          </a:p>
-          <a:p>
-            <a:r>
-              <a:rPr lang="en-US" sz="3200" dirty="0">
+            <a:endParaRPr lang="en-US" sz="2800" dirty="0"/>
+          </a:p>
+          <a:p>
+            <a:r>
+              <a:rPr lang="en-US" sz="2800" dirty="0">
                 <a:hlinkClick r:id="rId5"/>
               </a:rPr>
               <a:t>dot.net </a:t>
             </a:r>
             <a:r>
-              <a:rPr lang="en-US" sz="3200" dirty="0"/>
+              <a:rPr lang="en-US" sz="2800" dirty="0"/>
               <a:t>-  Get all the tools you need in one place.</a:t>
             </a:r>
+          </a:p>
+          <a:p>
+            <a:r>
+              <a:rPr lang="en-US" sz="2800" dirty="0">
+                <a:hlinkClick r:id="rId6"/>
+              </a:rPr>
+              <a:t>Microsoft Learn for .NET</a:t>
+            </a:r>
+            <a:endParaRPr lang="en-US" sz="2800" dirty="0"/>
           </a:p>
           <a:p>
             <a:pPr marL="0" indent="0">
               <a:buNone/>
             </a:pPr>
             <a:r>
-              <a:rPr lang="en-US" sz="3200" b="1" dirty="0"/>
+              <a:rPr lang="en-US" sz="2800" b="1" dirty="0"/>
               <a:t>Get involved</a:t>
             </a:r>
           </a:p>
           <a:p>
             <a:r>
-              <a:rPr lang="en-US" sz="3200" dirty="0">
-                <a:hlinkClick r:id="rId6"/>
+              <a:rPr lang="en-US" sz="2800" dirty="0">
+                <a:hlinkClick r:id="rId7"/>
               </a:rPr>
               <a:t>.NET Foundation </a:t>
             </a:r>
-            <a:endParaRPr lang="en-US" sz="3200" dirty="0"/>
-          </a:p>
-          <a:p>
-            <a:r>
-              <a:rPr lang="en-US" sz="3200" dirty="0">
-                <a:hlinkClick r:id="rId7"/>
+            <a:endParaRPr lang="en-US" sz="2800" dirty="0"/>
+          </a:p>
+          <a:p>
+            <a:r>
+              <a:rPr lang="en-US" sz="2800" dirty="0">
+                <a:hlinkClick r:id="rId8"/>
               </a:rPr>
-              <a:t>Twitch Channels  </a:t>
-            </a:r>
-            <a:endParaRPr lang="en-US" dirty="0"/>
+              <a:t>.NET Live TV</a:t>
+            </a:r>
+            <a:endParaRPr lang="en-US" sz="3600" dirty="0"/>
           </a:p>
         </p:txBody>
       </p:sp>
@@ -8473,8 +8430,8 @@
         </p:nvSpPr>
         <p:spPr>
           <a:xfrm>
-            <a:off x="638372" y="5609402"/>
-            <a:ext cx="4758931" cy="760208"/>
+            <a:off x="823936" y="5609402"/>
+            <a:ext cx="4387803" cy="760208"/>
           </a:xfrm>
           <a:prstGeom prst="rect">
             <a:avLst/>
@@ -8509,7 +8466,7 @@
                   <a:lin ang="5400000" scaled="0"/>
                 </a:gradFill>
               </a:rPr>
-              <a:t>Download.NET Core SDK ,  and use command line tools</a:t>
+              <a:t>Download .NET SDK ,  and use command line tools</a:t>
             </a:r>
           </a:p>
           <a:p>
@@ -8540,36 +8497,6 @@
           </a:p>
         </p:txBody>
       </p:sp>
-      <p:pic>
-        <p:nvPicPr>
-          <p:cNvPr id="14" name="Picture 13">
-            <a:extLst>
-              <a:ext uri="{FF2B5EF4-FFF2-40B4-BE49-F238E27FC236}">
-                <a16:creationId xmlns:a16="http://schemas.microsoft.com/office/drawing/2014/main" id="{94347486-2EA3-47AF-A79C-C97C6E635597}"/>
-              </a:ext>
-            </a:extLst>
-          </p:cNvPr>
-          <p:cNvPicPr>
-            <a:picLocks noChangeAspect="1"/>
-          </p:cNvPicPr>
-          <p:nvPr/>
-        </p:nvPicPr>
-        <p:blipFill>
-          <a:blip r:embed="rId3"/>
-          <a:stretch>
-            <a:fillRect/>
-          </a:stretch>
-        </p:blipFill>
-        <p:spPr>
-          <a:xfrm>
-            <a:off x="1887217" y="1348911"/>
-            <a:ext cx="2261242" cy="1772031"/>
-          </a:xfrm>
-          <a:prstGeom prst="rect">
-            <a:avLst/>
-          </a:prstGeom>
-        </p:spPr>
-      </p:pic>
       <p:pic>
         <p:nvPicPr>
           <p:cNvPr id="15" name="Picture 14">
@@ -8585,7 +8512,7 @@
           <p:nvPr/>
         </p:nvPicPr>
         <p:blipFill>
-          <a:blip r:embed="rId4" cstate="print">
+          <a:blip r:embed="rId3" cstate="print">
             <a:extLst>
               <a:ext uri="{28A0092B-C50C-407E-A947-70E740481C1C}">
                 <a14:useLocalDpi xmlns:a14="http://schemas.microsoft.com/office/drawing/2010/main" val="0"/>
@@ -8604,6 +8531,53 @@
           <a:prstGeom prst="rect">
             <a:avLst/>
           </a:prstGeom>
+        </p:spPr>
+      </p:pic>
+      <p:pic>
+        <p:nvPicPr>
+          <p:cNvPr id="7" name="Picture 2">
+            <a:extLst>
+              <a:ext uri="{FF2B5EF4-FFF2-40B4-BE49-F238E27FC236}">
+                <a16:creationId xmlns:a16="http://schemas.microsoft.com/office/drawing/2014/main" id="{22104C72-2422-40E4-BFA2-172314303CB9}"/>
+              </a:ext>
+            </a:extLst>
+          </p:cNvPr>
+          <p:cNvPicPr>
+            <a:picLocks noChangeAspect="1" noChangeArrowheads="1"/>
+          </p:cNvPicPr>
+          <p:nvPr/>
+        </p:nvPicPr>
+        <p:blipFill>
+          <a:blip r:embed="rId4">
+            <a:extLst>
+              <a:ext uri="{28A0092B-C50C-407E-A947-70E740481C1C}">
+                <a14:useLocalDpi xmlns:a14="http://schemas.microsoft.com/office/drawing/2010/main" val="0"/>
+              </a:ext>
+            </a:extLst>
+          </a:blip>
+          <a:srcRect/>
+          <a:stretch>
+            <a:fillRect/>
+          </a:stretch>
+        </p:blipFill>
+        <p:spPr bwMode="auto">
+          <a:xfrm>
+            <a:off x="1888126" y="1408985"/>
+            <a:ext cx="2066720" cy="2066720"/>
+          </a:xfrm>
+          <a:prstGeom prst="rect">
+            <a:avLst/>
+          </a:prstGeom>
+          <a:noFill/>
+          <a:extLst>
+            <a:ext uri="{909E8E84-426E-40DD-AFC4-6F175D3DCCD1}">
+              <a14:hiddenFill xmlns:a14="http://schemas.microsoft.com/office/drawing/2010/main">
+                <a:solidFill>
+                  <a:srgbClr val="FFFFFF"/>
+                </a:solidFill>
+              </a14:hiddenFill>
+            </a:ext>
+          </a:extLst>
         </p:spPr>
       </p:pic>
     </p:spTree>
@@ -8689,8 +8663,8 @@
         </p:nvSpPr>
         <p:spPr>
           <a:xfrm>
-            <a:off x="457200" y="5635562"/>
-            <a:ext cx="4758931" cy="760208"/>
+            <a:off x="642764" y="5635562"/>
+            <a:ext cx="4387804" cy="760208"/>
           </a:xfrm>
           <a:prstGeom prst="rect">
             <a:avLst/>
@@ -8725,7 +8699,7 @@
                   <a:lin ang="5400000" scaled="0"/>
                 </a:gradFill>
               </a:rPr>
-              <a:t>Download.NET Core SDK ,  and use command line tools</a:t>
+              <a:t>Download .NET SDK ,  and use command line tools</a:t>
             </a:r>
           </a:p>
           <a:p>
@@ -8813,36 +8787,6 @@
       </p:sp>
       <p:pic>
         <p:nvPicPr>
-          <p:cNvPr id="14" name="Picture 13">
-            <a:extLst>
-              <a:ext uri="{FF2B5EF4-FFF2-40B4-BE49-F238E27FC236}">
-                <a16:creationId xmlns:a16="http://schemas.microsoft.com/office/drawing/2014/main" id="{94347486-2EA3-47AF-A79C-C97C6E635597}"/>
-              </a:ext>
-            </a:extLst>
-          </p:cNvPr>
-          <p:cNvPicPr>
-            <a:picLocks noChangeAspect="1"/>
-          </p:cNvPicPr>
-          <p:nvPr/>
-        </p:nvPicPr>
-        <p:blipFill>
-          <a:blip r:embed="rId3"/>
-          <a:stretch>
-            <a:fillRect/>
-          </a:stretch>
-        </p:blipFill>
-        <p:spPr>
-          <a:xfrm>
-            <a:off x="1887217" y="1348911"/>
-            <a:ext cx="2261242" cy="1772031"/>
-          </a:xfrm>
-          <a:prstGeom prst="rect">
-            <a:avLst/>
-          </a:prstGeom>
-        </p:spPr>
-      </p:pic>
-      <p:pic>
-        <p:nvPicPr>
           <p:cNvPr id="15" name="Picture 14">
             <a:extLst>
               <a:ext uri="{FF2B5EF4-FFF2-40B4-BE49-F238E27FC236}">
@@ -8856,7 +8800,7 @@
           <p:nvPr/>
         </p:nvPicPr>
         <p:blipFill>
-          <a:blip r:embed="rId4" cstate="print">
+          <a:blip r:embed="rId3" cstate="print">
             <a:extLst>
               <a:ext uri="{28A0092B-C50C-407E-A947-70E740481C1C}">
                 <a14:useLocalDpi xmlns:a14="http://schemas.microsoft.com/office/drawing/2010/main" val="0"/>
@@ -8875,118 +8819,6 @@
           <a:prstGeom prst="rect">
             <a:avLst/>
           </a:prstGeom>
-        </p:spPr>
-      </p:pic>
-      <p:pic>
-        <p:nvPicPr>
-          <p:cNvPr id="8" name="Picture 7">
-            <a:extLst>
-              <a:ext uri="{FF2B5EF4-FFF2-40B4-BE49-F238E27FC236}">
-                <a16:creationId xmlns:a16="http://schemas.microsoft.com/office/drawing/2014/main" id="{1E3BBFE4-83CD-4295-A512-6ACC4680E7E8}"/>
-              </a:ext>
-            </a:extLst>
-          </p:cNvPr>
-          <p:cNvPicPr>
-            <a:picLocks noChangeAspect="1"/>
-          </p:cNvPicPr>
-          <p:nvPr/>
-        </p:nvPicPr>
-        <p:blipFill>
-          <a:blip r:embed="rId5">
-            <a:extLst>
-              <a:ext uri="{28A0092B-C50C-407E-A947-70E740481C1C}">
-                <a14:useLocalDpi xmlns:a14="http://schemas.microsoft.com/office/drawing/2010/main"/>
-              </a:ext>
-            </a:extLst>
-          </a:blip>
-          <a:stretch>
-            <a:fillRect/>
-          </a:stretch>
-        </p:blipFill>
-        <p:spPr>
-          <a:xfrm>
-            <a:off x="9045456" y="1348911"/>
-            <a:ext cx="861493" cy="776752"/>
-          </a:xfrm>
-          <a:prstGeom prst="rect">
-            <a:avLst/>
-          </a:prstGeom>
-        </p:spPr>
-      </p:pic>
-      <p:pic>
-        <p:nvPicPr>
-          <p:cNvPr id="9" name="Picture 8">
-            <a:extLst>
-              <a:ext uri="{FF2B5EF4-FFF2-40B4-BE49-F238E27FC236}">
-                <a16:creationId xmlns:a16="http://schemas.microsoft.com/office/drawing/2014/main" id="{6C4C5653-BA79-49BB-AF34-9D60CE690202}"/>
-              </a:ext>
-            </a:extLst>
-          </p:cNvPr>
-          <p:cNvPicPr>
-            <a:picLocks noChangeAspect="1"/>
-          </p:cNvPicPr>
-          <p:nvPr/>
-        </p:nvPicPr>
-        <p:blipFill>
-          <a:blip r:embed="rId6">
-            <a:extLst>
-              <a:ext uri="{BEBA8EAE-BF5A-486C-A8C5-ECC9F3942E4B}">
-                <a14:imgProps xmlns:a14="http://schemas.microsoft.com/office/drawing/2010/main">
-                  <a14:imgLayer r:embed="rId7">
-                    <a14:imgEffect>
-                      <a14:backgroundRemoval t="4286" b="90000" l="22467" r="78394"/>
-                    </a14:imgEffect>
-                  </a14:imgLayer>
-                </a14:imgProps>
-              </a:ext>
-            </a:extLst>
-          </a:blip>
-          <a:stretch>
-            <a:fillRect/>
-          </a:stretch>
-        </p:blipFill>
-        <p:spPr>
-          <a:xfrm>
-            <a:off x="8620144" y="2812835"/>
-            <a:ext cx="1712894" cy="899665"/>
-          </a:xfrm>
-          <a:prstGeom prst="rect">
-            <a:avLst/>
-          </a:prstGeom>
-        </p:spPr>
-      </p:pic>
-      <p:pic>
-        <p:nvPicPr>
-          <p:cNvPr id="10" name="Shape 416">
-            <a:extLst>
-              <a:ext uri="{FF2B5EF4-FFF2-40B4-BE49-F238E27FC236}">
-                <a16:creationId xmlns:a16="http://schemas.microsoft.com/office/drawing/2014/main" id="{CA9ED1C3-EE0B-46E2-8317-110E5BAC0B14}"/>
-              </a:ext>
-            </a:extLst>
-          </p:cNvPr>
-          <p:cNvPicPr preferRelativeResize="0"/>
-          <p:nvPr/>
-        </p:nvPicPr>
-        <p:blipFill>
-          <a:blip r:embed="rId8">
-            <a:alphaModFix/>
-          </a:blip>
-          <a:stretch>
-            <a:fillRect/>
-          </a:stretch>
-        </p:blipFill>
-        <p:spPr>
-          <a:xfrm>
-            <a:off x="9061116" y="4395623"/>
-            <a:ext cx="859536" cy="777240"/>
-          </a:xfrm>
-          <a:prstGeom prst="rect">
-            <a:avLst/>
-          </a:prstGeom>
-          <a:noFill/>
-          <a:ln>
-            <a:noFill/>
-          </a:ln>
         </p:spPr>
       </p:pic>
       <p:sp>
@@ -9154,6 +8986,155 @@
           </a:p>
         </p:txBody>
       </p:sp>
+      <p:pic>
+        <p:nvPicPr>
+          <p:cNvPr id="2050" name="Picture 2">
+            <a:extLst>
+              <a:ext uri="{FF2B5EF4-FFF2-40B4-BE49-F238E27FC236}">
+                <a16:creationId xmlns:a16="http://schemas.microsoft.com/office/drawing/2014/main" id="{B27C0BA5-11F4-45D7-BD4D-201490415608}"/>
+              </a:ext>
+            </a:extLst>
+          </p:cNvPr>
+          <p:cNvPicPr>
+            <a:picLocks noChangeAspect="1" noChangeArrowheads="1"/>
+          </p:cNvPicPr>
+          <p:nvPr/>
+        </p:nvPicPr>
+        <p:blipFill>
+          <a:blip r:embed="rId4">
+            <a:extLst>
+              <a:ext uri="{28A0092B-C50C-407E-A947-70E740481C1C}">
+                <a14:useLocalDpi xmlns:a14="http://schemas.microsoft.com/office/drawing/2010/main" val="0"/>
+              </a:ext>
+            </a:extLst>
+          </a:blip>
+          <a:srcRect/>
+          <a:stretch>
+            <a:fillRect/>
+          </a:stretch>
+        </p:blipFill>
+        <p:spPr bwMode="auto">
+          <a:xfrm>
+            <a:off x="1888126" y="1408985"/>
+            <a:ext cx="2066720" cy="2066720"/>
+          </a:xfrm>
+          <a:prstGeom prst="rect">
+            <a:avLst/>
+          </a:prstGeom>
+          <a:noFill/>
+          <a:extLst>
+            <a:ext uri="{909E8E84-426E-40DD-AFC4-6F175D3DCCD1}">
+              <a14:hiddenFill xmlns:a14="http://schemas.microsoft.com/office/drawing/2010/main">
+                <a:solidFill>
+                  <a:srgbClr val="FFFFFF"/>
+                </a:solidFill>
+              </a14:hiddenFill>
+            </a:ext>
+          </a:extLst>
+        </p:spPr>
+      </p:pic>
+      <p:pic>
+        <p:nvPicPr>
+          <p:cNvPr id="16" name="Graphic 15">
+            <a:extLst>
+              <a:ext uri="{FF2B5EF4-FFF2-40B4-BE49-F238E27FC236}">
+                <a16:creationId xmlns:a16="http://schemas.microsoft.com/office/drawing/2014/main" id="{E69A8C76-E25F-4407-875B-92FE07A898B3}"/>
+              </a:ext>
+            </a:extLst>
+          </p:cNvPr>
+          <p:cNvPicPr>
+            <a:picLocks noChangeAspect="1"/>
+          </p:cNvPicPr>
+          <p:nvPr/>
+        </p:nvPicPr>
+        <p:blipFill>
+          <a:blip r:embed="rId5">
+            <a:extLst>
+              <a:ext uri="{96DAC541-7B7A-43D3-8B79-37D633B846F1}">
+                <asvg:svgBlip xmlns:asvg="http://schemas.microsoft.com/office/drawing/2016/SVG/main" r:embed="rId6"/>
+              </a:ext>
+            </a:extLst>
+          </a:blip>
+          <a:stretch>
+            <a:fillRect/>
+          </a:stretch>
+        </p:blipFill>
+        <p:spPr>
+          <a:xfrm>
+            <a:off x="9112283" y="2843946"/>
+            <a:ext cx="912867" cy="911679"/>
+          </a:xfrm>
+          <a:prstGeom prst="rect">
+            <a:avLst/>
+          </a:prstGeom>
+        </p:spPr>
+      </p:pic>
+      <p:pic>
+        <p:nvPicPr>
+          <p:cNvPr id="17" name="Graphic 16">
+            <a:extLst>
+              <a:ext uri="{FF2B5EF4-FFF2-40B4-BE49-F238E27FC236}">
+                <a16:creationId xmlns:a16="http://schemas.microsoft.com/office/drawing/2014/main" id="{1A937965-05F1-4EEB-8A87-78BA006CE054}"/>
+              </a:ext>
+            </a:extLst>
+          </p:cNvPr>
+          <p:cNvPicPr>
+            <a:picLocks noChangeAspect="1"/>
+          </p:cNvPicPr>
+          <p:nvPr/>
+        </p:nvPicPr>
+        <p:blipFill>
+          <a:blip r:embed="rId7">
+            <a:extLst>
+              <a:ext uri="{96DAC541-7B7A-43D3-8B79-37D633B846F1}">
+                <asvg:svgBlip xmlns:asvg="http://schemas.microsoft.com/office/drawing/2016/SVG/main" r:embed="rId8"/>
+              </a:ext>
+            </a:extLst>
+          </a:blip>
+          <a:stretch>
+            <a:fillRect/>
+          </a:stretch>
+        </p:blipFill>
+        <p:spPr>
+          <a:xfrm>
+            <a:off x="9130360" y="1317695"/>
+            <a:ext cx="876713" cy="876713"/>
+          </a:xfrm>
+          <a:prstGeom prst="rect">
+            <a:avLst/>
+          </a:prstGeom>
+        </p:spPr>
+      </p:pic>
+      <p:pic>
+        <p:nvPicPr>
+          <p:cNvPr id="18" name="Picture 17" descr="A close up of a logo&#10;&#10;Description automatically generated">
+            <a:extLst>
+              <a:ext uri="{FF2B5EF4-FFF2-40B4-BE49-F238E27FC236}">
+                <a16:creationId xmlns:a16="http://schemas.microsoft.com/office/drawing/2014/main" id="{E7C192C2-F471-4FE4-AC06-B157A5C5A6F7}"/>
+              </a:ext>
+            </a:extLst>
+          </p:cNvPr>
+          <p:cNvPicPr>
+            <a:picLocks noChangeAspect="1"/>
+          </p:cNvPicPr>
+          <p:nvPr/>
+        </p:nvPicPr>
+        <p:blipFill>
+          <a:blip r:embed="rId9"/>
+          <a:stretch>
+            <a:fillRect/>
+          </a:stretch>
+        </p:blipFill>
+        <p:spPr>
+          <a:xfrm>
+            <a:off x="9127186" y="4259631"/>
+            <a:ext cx="883061" cy="883061"/>
+          </a:xfrm>
+          <a:prstGeom prst="rect">
+            <a:avLst/>
+          </a:prstGeom>
+        </p:spPr>
+      </p:pic>
     </p:spTree>
     <p:extLst>
       <p:ext uri="{BB962C8B-B14F-4D97-AF65-F5344CB8AC3E}">
@@ -9492,7 +9473,7 @@
                 <a:ea typeface="Segoe UI" pitchFamily="34" charset="0"/>
                 <a:cs typeface="Segoe UI" pitchFamily="34" charset="0"/>
               </a:rPr>
-              <a:t>Framework</a:t>
+              <a:t>Runtime</a:t>
             </a:r>
           </a:p>
           <a:p>
@@ -9523,7 +9504,7 @@
                 <a:ea typeface="Segoe UI" pitchFamily="34" charset="0"/>
                 <a:cs typeface="Segoe UI" pitchFamily="34" charset="0"/>
               </a:rPr>
-              <a:t>.NET Core</a:t>
+              <a:t>.NET</a:t>
             </a:r>
           </a:p>
           <a:p>
@@ -9853,7 +9834,7 @@
                 <a:ea typeface="Segoe UI" pitchFamily="34" charset="0"/>
                 <a:cs typeface="Segoe UI" pitchFamily="34" charset="0"/>
               </a:rPr>
-              <a:t>Framework</a:t>
+              <a:t>Runtime</a:t>
             </a:r>
           </a:p>
           <a:p>
@@ -9884,7 +9865,7 @@
                 <a:ea typeface="Segoe UI" pitchFamily="34" charset="0"/>
                 <a:cs typeface="Segoe UI" pitchFamily="34" charset="0"/>
               </a:rPr>
-              <a:t>.NET Core</a:t>
+              <a:t>.NET</a:t>
             </a:r>
           </a:p>
           <a:p>
@@ -10628,7 +10609,7 @@
                 <a:ea typeface="Segoe UI" pitchFamily="34" charset="0"/>
                 <a:cs typeface="Segoe UI" pitchFamily="34" charset="0"/>
               </a:rPr>
-              <a:t>Framework</a:t>
+              <a:t>Runtime</a:t>
             </a:r>
           </a:p>
           <a:p>
@@ -10659,7 +10640,7 @@
                 <a:ea typeface="Segoe UI" pitchFamily="34" charset="0"/>
                 <a:cs typeface="Segoe UI" pitchFamily="34" charset="0"/>
               </a:rPr>
-              <a:t>.NET Core</a:t>
+              <a:t>.NET</a:t>
             </a:r>
           </a:p>
           <a:p>
@@ -11107,7 +11088,7 @@
                 <a:ea typeface="Segoe UI" pitchFamily="34" charset="0"/>
                 <a:cs typeface="Segoe UI" pitchFamily="34" charset="0"/>
               </a:rPr>
-              <a:t>Framework</a:t>
+              <a:t>Runtime</a:t>
             </a:r>
           </a:p>
           <a:p>
@@ -11138,7 +11119,7 @@
                 <a:ea typeface="Segoe UI" pitchFamily="34" charset="0"/>
                 <a:cs typeface="Segoe UI" pitchFamily="34" charset="0"/>
               </a:rPr>
-              <a:t>.NET Core</a:t>
+              <a:t>.NET</a:t>
             </a:r>
           </a:p>
           <a:p>
@@ -11901,33 +11882,6 @@
 </file>
 
 <file path=customXml/item1.xml><?xml version="1.0" encoding="utf-8"?>
-<?mso-contentType ?>
-<FormTemplates xmlns="http://schemas.microsoft.com/sharepoint/v3/contenttype/forms">
-  <Display>DocumentLibraryForm</Display>
-  <Edit>DocumentLibraryForm</Edit>
-  <New>DocumentLibraryForm</New>
-</FormTemplates>
-</file>
-
-<file path=customXml/item2.xml><?xml version="1.0" encoding="utf-8"?>
-<p:properties xmlns:p="http://schemas.microsoft.com/office/2006/metadata/properties" xmlns:xsi="http://www.w3.org/2001/XMLSchema-instance" xmlns:pc="http://schemas.microsoft.com/office/infopath/2007/PartnerControls">
-  <documentManagement>
-    <_ip_UnifiedCompliancePolicyProperties xmlns="http://schemas.microsoft.com/sharepoint/v3" xsi:nil="true"/>
-    <_ip_UnifiedCompliancePolicyUIAction xmlns="http://schemas.microsoft.com/sharepoint/v3" xsi:nil="true"/>
-    <LastSharedByUser xmlns="11245976-3b4d-4794-a754-317688483df2">jogallow@microsoft.com</LastSharedByUser>
-    <SharedWithUsers xmlns="11245976-3b4d-4794-a754-317688483df2">
-      <UserInfo>
-        <DisplayName>Martin Woodward</DisplayName>
-        <AccountId>67</AccountId>
-        <AccountType/>
-      </UserInfo>
-    </SharedWithUsers>
-    <LastSharedByTime xmlns="11245976-3b4d-4794-a754-317688483df2">2018-03-16T04:12:59+00:00</LastSharedByTime>
-  </documentManagement>
-</p:properties>
-</file>
-
-<file path=customXml/item3.xml><?xml version="1.0" encoding="utf-8"?>
 <ct:contentTypeSchema xmlns:ct="http://schemas.microsoft.com/office/2006/metadata/contentType" xmlns:ma="http://schemas.microsoft.com/office/2006/metadata/properties/metaAttributes" ct:_="" ma:_="" ma:contentTypeName="Document" ma:contentTypeID="0x01010022F88B0CCF1BBA489747F146E6B5E06D" ma:contentTypeVersion="10" ma:contentTypeDescription="Create a new document." ma:contentTypeScope="" ma:versionID="e1162cc15dbfb914ec52a789942caef8">
   <xsd:schema xmlns:xsd="http://www.w3.org/2001/XMLSchema" xmlns:xs="http://www.w3.org/2001/XMLSchema" xmlns:p="http://schemas.microsoft.com/office/2006/metadata/properties" xmlns:ns1="http://schemas.microsoft.com/sharepoint/v3" xmlns:ns2="569b343d-e775-480b-9b2b-6a6986deb9b0" xmlns:ns3="11245976-3b4d-4794-a754-317688483df2" targetNamespace="http://schemas.microsoft.com/office/2006/metadata/properties" ma:root="true" ma:fieldsID="158813283217a5160f6383901b0d05a5" ns1:_="" ns2:_="" ns3:_="">
     <xsd:import namespace="http://schemas.microsoft.com/sharepoint/v3"/>
@@ -12135,10 +12089,49 @@
 </ct:contentTypeSchema>
 </file>
 
+<file path=customXml/item2.xml><?xml version="1.0" encoding="utf-8"?>
+<p:properties xmlns:p="http://schemas.microsoft.com/office/2006/metadata/properties" xmlns:xsi="http://www.w3.org/2001/XMLSchema-instance" xmlns:pc="http://schemas.microsoft.com/office/infopath/2007/PartnerControls">
+  <documentManagement>
+    <_ip_UnifiedCompliancePolicyProperties xmlns="http://schemas.microsoft.com/sharepoint/v3" xsi:nil="true"/>
+    <_ip_UnifiedCompliancePolicyUIAction xmlns="http://schemas.microsoft.com/sharepoint/v3" xsi:nil="true"/>
+    <LastSharedByUser xmlns="11245976-3b4d-4794-a754-317688483df2">jogallow@microsoft.com</LastSharedByUser>
+    <SharedWithUsers xmlns="11245976-3b4d-4794-a754-317688483df2">
+      <UserInfo>
+        <DisplayName>Martin Woodward</DisplayName>
+        <AccountId>67</AccountId>
+        <AccountType/>
+      </UserInfo>
+    </SharedWithUsers>
+    <LastSharedByTime xmlns="11245976-3b4d-4794-a754-317688483df2">2018-03-16T04:12:59+00:00</LastSharedByTime>
+  </documentManagement>
+</p:properties>
+</file>
+
+<file path=customXml/item3.xml><?xml version="1.0" encoding="utf-8"?>
+<?mso-contentType ?>
+<FormTemplates xmlns="http://schemas.microsoft.com/sharepoint/v3/contenttype/forms">
+  <Display>DocumentLibraryForm</Display>
+  <Edit>DocumentLibraryForm</Edit>
+  <New>DocumentLibraryForm</New>
+</FormTemplates>
+</file>
+
 <file path=customXml/itemProps1.xml><?xml version="1.0" encoding="utf-8"?>
-<ds:datastoreItem xmlns:ds="http://schemas.openxmlformats.org/officeDocument/2006/customXml" ds:itemID="{093821A7-5528-48BE-BD00-067FBFDD28D5}">
+<ds:datastoreItem xmlns:ds="http://schemas.openxmlformats.org/officeDocument/2006/customXml" ds:itemID="{345A321A-8CE3-45D5-9A72-BB0D8FA29E2D}">
   <ds:schemaRefs>
-    <ds:schemaRef ds:uri="http://schemas.microsoft.com/sharepoint/v3/contenttype/forms"/>
+    <ds:schemaRef ds:uri="http://schemas.microsoft.com/office/2006/metadata/contentType"/>
+    <ds:schemaRef ds:uri="http://schemas.microsoft.com/office/2006/metadata/properties/metaAttributes"/>
+    <ds:schemaRef ds:uri="http://www.w3.org/2001/XMLSchema"/>
+    <ds:schemaRef ds:uri="http://schemas.microsoft.com/office/2006/metadata/properties"/>
+    <ds:schemaRef ds:uri="http://schemas.microsoft.com/sharepoint/v3"/>
+    <ds:schemaRef ds:uri="569b343d-e775-480b-9b2b-6a6986deb9b0"/>
+    <ds:schemaRef ds:uri="11245976-3b4d-4794-a754-317688483df2"/>
+    <ds:schemaRef ds:uri="http://schemas.microsoft.com/office/2006/documentManagement/types"/>
+    <ds:schemaRef ds:uri="http://schemas.microsoft.com/office/infopath/2007/PartnerControls"/>
+    <ds:schemaRef ds:uri="http://schemas.openxmlformats.org/package/2006/metadata/core-properties"/>
+    <ds:schemaRef ds:uri="http://purl.org/dc/elements/1.1/"/>
+    <ds:schemaRef ds:uri="http://purl.org/dc/terms/"/>
+    <ds:schemaRef ds:uri="http://schemas.microsoft.com/internal/obd"/>
   </ds:schemaRefs>
 </ds:datastoreItem>
 </file>
@@ -12162,21 +12155,15 @@
 </file>
 
 <file path=customXml/itemProps3.xml><?xml version="1.0" encoding="utf-8"?>
-<ds:datastoreItem xmlns:ds="http://schemas.openxmlformats.org/officeDocument/2006/customXml" ds:itemID="{345A321A-8CE3-45D5-9A72-BB0D8FA29E2D}">
+<ds:datastoreItem xmlns:ds="http://schemas.openxmlformats.org/officeDocument/2006/customXml" ds:itemID="{093821A7-5528-48BE-BD00-067FBFDD28D5}">
   <ds:schemaRefs>
-    <ds:schemaRef ds:uri="http://schemas.microsoft.com/office/2006/metadata/contentType"/>
-    <ds:schemaRef ds:uri="http://schemas.microsoft.com/office/2006/metadata/properties/metaAttributes"/>
-    <ds:schemaRef ds:uri="http://www.w3.org/2001/XMLSchema"/>
-    <ds:schemaRef ds:uri="http://schemas.microsoft.com/office/2006/metadata/properties"/>
-    <ds:schemaRef ds:uri="http://schemas.microsoft.com/sharepoint/v3"/>
-    <ds:schemaRef ds:uri="569b343d-e775-480b-9b2b-6a6986deb9b0"/>
-    <ds:schemaRef ds:uri="11245976-3b4d-4794-a754-317688483df2"/>
-    <ds:schemaRef ds:uri="http://schemas.microsoft.com/office/2006/documentManagement/types"/>
-    <ds:schemaRef ds:uri="http://schemas.microsoft.com/office/infopath/2007/PartnerControls"/>
-    <ds:schemaRef ds:uri="http://schemas.openxmlformats.org/package/2006/metadata/core-properties"/>
-    <ds:schemaRef ds:uri="http://purl.org/dc/elements/1.1/"/>
-    <ds:schemaRef ds:uri="http://purl.org/dc/terms/"/>
-    <ds:schemaRef ds:uri="http://schemas.microsoft.com/internal/obd"/>
+    <ds:schemaRef ds:uri="http://schemas.microsoft.com/sharepoint/v3/contenttype/forms"/>
   </ds:schemaRefs>
 </ds:datastoreItem>
+</file>
+
+<file path=docMetadata/LabelInfo.xml><?xml version="1.0" encoding="utf-8"?>
+<clbl:labelList xmlns:clbl="http://schemas.microsoft.com/office/2020/mipLabelMetadata">
+  <clbl:label id="{f42aa342-8706-4288-bd11-ebb85995028c}" enabled="1" method="Privileged" siteId="{72f988bf-86f1-41af-91ab-2d7cd011db47}" removed="0"/>
+</clbl:labelList>
 </file>